--- a/NYC Trip Record Data Analysis.pptx
+++ b/NYC Trip Record Data Analysis.pptx
@@ -212,7 +212,7 @@
           <a:effectLst/>
           <a:extLst>
             <a:ext uri="{91240B29-F687-4f45-9708-019B960494DF}">
-              <a14:hiddenLine xmlns="" xmlns:a14="http://schemas.microsoft.com/office/drawing/2010/main" w="9525">
+              <a14:hiddenLine xmlns:a14="http://schemas.microsoft.com/office/drawing/2010/main" xmlns="" w="9525">
                 <a:solidFill>
                   <a:srgbClr val="000000"/>
                 </a:solidFill>
@@ -405,7 +405,7 @@
             <a:fld id="{08B9EBBA-996F-894A-B54A-D6246ED52CEA}" type="datetimeFigureOut">
               <a:rPr lang="en-US" dirty="0"/>
               <a:pPr/>
-              <a:t>4/12/2017</a:t>
+              <a:t>4/14/2017</a:t>
             </a:fld>
             <a:endParaRPr lang="en-US" dirty="0"/>
           </a:p>
@@ -720,7 +720,7 @@
             <a:fld id="{18C79C5D-2A6F-F04D-97DA-BEF2467B64E4}" type="datetimeFigureOut">
               <a:rPr lang="en-US" dirty="0"/>
               <a:pPr/>
-              <a:t>4/12/2017</a:t>
+              <a:t>4/14/2017</a:t>
             </a:fld>
             <a:endParaRPr lang="en-US" dirty="0"/>
           </a:p>
@@ -1205,7 +1205,7 @@
             <a:fld id="{8DFA1846-DA80-1C48-A609-854EA85C59AD}" type="datetimeFigureOut">
               <a:rPr lang="en-US" dirty="0"/>
               <a:pPr/>
-              <a:t>4/12/2017</a:t>
+              <a:t>4/14/2017</a:t>
             </a:fld>
             <a:endParaRPr lang="en-US" dirty="0"/>
           </a:p>
@@ -1571,7 +1571,7 @@
             <a:fld id="{FBF54567-0DE4-3F47-BF90-CB84690072F9}" type="datetimeFigureOut">
               <a:rPr lang="en-US" dirty="0"/>
               <a:pPr/>
-              <a:t>4/12/2017</a:t>
+              <a:t>4/14/2017</a:t>
             </a:fld>
             <a:endParaRPr lang="en-US" dirty="0"/>
           </a:p>
@@ -1722,7 +1722,7 @@
           <a:ln/>
           <a:extLst>
             <a:ext uri="{91240B29-F687-4f45-9708-019B960494DF}">
-              <a14:hiddenLine xmlns="" xmlns:a14="http://schemas.microsoft.com/office/drawing/2010/main" w="9525">
+              <a14:hiddenLine xmlns:a14="http://schemas.microsoft.com/office/drawing/2010/main" xmlns="" w="9525">
                 <a:solidFill>
                   <a:srgbClr val="000000"/>
                 </a:solidFill>
@@ -1841,7 +1841,7 @@
             <a:fld id="{C6C52C72-DE31-F449-A4ED-4C594FD91407}" type="datetimeFigureOut">
               <a:rPr lang="en-US" dirty="0"/>
               <a:pPr/>
-              <a:t>4/12/2017</a:t>
+              <a:t>4/14/2017</a:t>
             </a:fld>
             <a:endParaRPr lang="en-US" dirty="0"/>
           </a:p>
@@ -1994,7 +1994,7 @@
           <a:ln/>
           <a:extLst>
             <a:ext uri="{91240B29-F687-4f45-9708-019B960494DF}">
-              <a14:hiddenLine xmlns="" xmlns:a14="http://schemas.microsoft.com/office/drawing/2010/main" w="9525">
+              <a14:hiddenLine xmlns:a14="http://schemas.microsoft.com/office/drawing/2010/main" xmlns="" w="9525">
                 <a:solidFill>
                   <a:srgbClr val="000000"/>
                 </a:solidFill>
@@ -2123,7 +2123,7 @@
             <a:fld id="{ED62726E-379B-B349-9EED-81ED093FA806}" type="datetimeFigureOut">
               <a:rPr lang="en-US" dirty="0"/>
               <a:pPr/>
-              <a:t>4/12/2017</a:t>
+              <a:t>4/14/2017</a:t>
             </a:fld>
             <a:endParaRPr lang="en-US" dirty="0"/>
           </a:p>
@@ -2274,7 +2274,7 @@
           <a:ln/>
           <a:extLst>
             <a:ext uri="{91240B29-F687-4f45-9708-019B960494DF}">
-              <a14:hiddenLine xmlns="" xmlns:a14="http://schemas.microsoft.com/office/drawing/2010/main" w="9525">
+              <a14:hiddenLine xmlns:a14="http://schemas.microsoft.com/office/drawing/2010/main" xmlns="" w="9525">
                 <a:solidFill>
                   <a:srgbClr val="000000"/>
                 </a:solidFill>
@@ -2403,7 +2403,7 @@
             <a:fld id="{9B3A1323-8D79-1946-B0D7-40001CF92E9D}" type="datetimeFigureOut">
               <a:rPr lang="en-US" dirty="0"/>
               <a:pPr/>
-              <a:t>4/12/2017</a:t>
+              <a:t>4/14/2017</a:t>
             </a:fld>
             <a:endParaRPr lang="en-US" dirty="0"/>
           </a:p>
@@ -2743,7 +2743,7 @@
             <a:fld id="{8DFA1846-DA80-1C48-A609-854EA85C59AD}" type="datetimeFigureOut">
               <a:rPr lang="en-US" dirty="0"/>
               <a:pPr/>
-              <a:t>4/12/2017</a:t>
+              <a:t>4/14/2017</a:t>
             </a:fld>
             <a:endParaRPr lang="en-US" dirty="0"/>
           </a:p>
@@ -2894,7 +2894,7 @@
           <a:ln/>
           <a:extLst>
             <a:ext uri="{91240B29-F687-4f45-9708-019B960494DF}">
-              <a14:hiddenLine xmlns="" xmlns:a14="http://schemas.microsoft.com/office/drawing/2010/main" w="9525">
+              <a14:hiddenLine xmlns:a14="http://schemas.microsoft.com/office/drawing/2010/main" xmlns="" w="9525">
                 <a:solidFill>
                   <a:srgbClr val="000000"/>
                 </a:solidFill>
@@ -3079,7 +3079,7 @@
             <a:fld id="{57302355-E14B-8545-A8F8-0FE83CC9D524}" type="datetimeFigureOut">
               <a:rPr lang="en-US" dirty="0"/>
               <a:pPr/>
-              <a:t>4/12/2017</a:t>
+              <a:t>4/14/2017</a:t>
             </a:fld>
             <a:endParaRPr lang="en-US" dirty="0"/>
           </a:p>
@@ -3230,7 +3230,7 @@
           <a:ln/>
           <a:extLst>
             <a:ext uri="{91240B29-F687-4f45-9708-019B960494DF}">
-              <a14:hiddenLine xmlns="" xmlns:a14="http://schemas.microsoft.com/office/drawing/2010/main" w="9525">
+              <a14:hiddenLine xmlns:a14="http://schemas.microsoft.com/office/drawing/2010/main" xmlns="" w="9525">
                 <a:solidFill>
                   <a:srgbClr val="000000"/>
                 </a:solidFill>
@@ -3553,7 +3553,7 @@
             <a:fld id="{02640F58-564D-2B4F-AE67-E407BA4FCF45}" type="datetimeFigureOut">
               <a:rPr lang="en-US" dirty="0"/>
               <a:pPr/>
-              <a:t>4/12/2017</a:t>
+              <a:t>4/14/2017</a:t>
             </a:fld>
             <a:endParaRPr lang="en-US" dirty="0"/>
           </a:p>
@@ -3704,7 +3704,7 @@
           <a:ln/>
           <a:extLst>
             <a:ext uri="{91240B29-F687-4f45-9708-019B960494DF}">
-              <a14:hiddenLine xmlns="" xmlns:a14="http://schemas.microsoft.com/office/drawing/2010/main" w="9525">
+              <a14:hiddenLine xmlns:a14="http://schemas.microsoft.com/office/drawing/2010/main" xmlns="" w="9525">
                 <a:solidFill>
                   <a:srgbClr val="000000"/>
                 </a:solidFill>
@@ -3771,7 +3771,7 @@
             <a:fld id="{F13A34C8-038E-2045-AF43-DF7DBB8E0E9E}" type="datetimeFigureOut">
               <a:rPr lang="en-US" dirty="0"/>
               <a:pPr/>
-              <a:t>4/12/2017</a:t>
+              <a:t>4/14/2017</a:t>
             </a:fld>
             <a:endParaRPr lang="en-US" dirty="0"/>
           </a:p>
@@ -3863,7 +3863,7 @@
             <a:fld id="{8818C68F-D26B-8F47-958C-23B49CF8A634}" type="datetimeFigureOut">
               <a:rPr lang="en-US" dirty="0"/>
               <a:pPr/>
-              <a:t>4/12/2017</a:t>
+              <a:t>4/14/2017</a:t>
             </a:fld>
             <a:endParaRPr lang="en-US" dirty="0"/>
           </a:p>
@@ -4127,7 +4127,7 @@
           <a:ln/>
           <a:extLst>
             <a:ext uri="{91240B29-F687-4f45-9708-019B960494DF}">
-              <a14:hiddenLine xmlns="" xmlns:a14="http://schemas.microsoft.com/office/drawing/2010/main" w="9525">
+              <a14:hiddenLine xmlns:a14="http://schemas.microsoft.com/office/drawing/2010/main" xmlns="" w="9525">
                 <a:solidFill>
                   <a:srgbClr val="000000"/>
                 </a:solidFill>
@@ -4327,7 +4327,7 @@
             <a:fld id="{D0DF5E60-9974-AC48-9591-99C2BB44B7CF}" type="datetimeFigureOut">
               <a:rPr lang="en-US" dirty="0"/>
               <a:pPr/>
-              <a:t>4/12/2017</a:t>
+              <a:t>4/14/2017</a:t>
             </a:fld>
             <a:endParaRPr lang="en-US" dirty="0"/>
           </a:p>
@@ -4637,7 +4637,7 @@
             <a:fld id="{18C79C5D-2A6F-F04D-97DA-BEF2467B64E4}" type="datetimeFigureOut">
               <a:rPr lang="en-US" dirty="0"/>
               <a:pPr/>
-              <a:t>4/12/2017</a:t>
+              <a:t>4/14/2017</a:t>
             </a:fld>
             <a:endParaRPr lang="en-US" dirty="0"/>
           </a:p>
@@ -4904,7 +4904,7 @@
             <a:fld id="{09B482E8-6E0E-1B4F-B1FD-C69DB9E858D9}" type="datetimeFigureOut">
               <a:rPr lang="en-US" dirty="0"/>
               <a:pPr/>
-              <a:t>4/12/2017</a:t>
+              <a:t>4/14/2017</a:t>
             </a:fld>
             <a:endParaRPr lang="en-US" dirty="0"/>
           </a:p>
@@ -6130,12 +6130,12 @@
       </p:grpSpPr>
       <p:sp>
         <p:nvSpPr>
-          <p:cNvPr id="2" name="Title 1"/>
-          <p:cNvSpPr>
-            <a:spLocks noGrp="1"/>
-          </p:cNvSpPr>
-          <p:nvPr>
-            <p:ph type="title"/>
+          <p:cNvPr id="3" name="Content Placeholder 2"/>
+          <p:cNvSpPr>
+            <a:spLocks noGrp="1"/>
+          </p:cNvSpPr>
+          <p:nvPr>
+            <p:ph idx="1"/>
           </p:nvPr>
         </p:nvSpPr>
         <p:spPr/>
@@ -6143,37 +6143,81 @@
           <a:bodyPr/>
           <a:lstStyle/>
           <a:p>
-            <a:r>
-              <a:rPr lang="en-US" dirty="0" smtClean="0"/>
-              <a:t>UI DESIGN</a:t>
-            </a:r>
-            <a:endParaRPr lang="en-US" dirty="0"/>
-          </a:p>
-        </p:txBody>
-      </p:sp>
-      <p:sp>
-        <p:nvSpPr>
-          <p:cNvPr id="3" name="Content Placeholder 2"/>
-          <p:cNvSpPr>
-            <a:spLocks noGrp="1"/>
-          </p:cNvSpPr>
-          <p:nvPr>
-            <p:ph idx="1"/>
-          </p:nvPr>
-        </p:nvSpPr>
-        <p:spPr/>
-        <p:txBody>
-          <a:bodyPr/>
-          <a:lstStyle/>
-          <a:p>
-            <a:endParaRPr lang="en-US"/>
+            <a:endParaRPr lang="en-US" dirty="0"/>
+          </a:p>
+        </p:txBody>
+      </p:sp>
+      <p:sp>
+        <p:nvSpPr>
+          <p:cNvPr id="4" name="Rectangle 3"/>
+          <p:cNvSpPr/>
+          <p:nvPr/>
+        </p:nvSpPr>
+        <p:spPr>
+          <a:xfrm>
+            <a:off x="3814951" y="3578877"/>
+            <a:ext cx="4925637" cy="923330"/>
+          </a:xfrm>
+          <a:prstGeom prst="rect">
+            <a:avLst/>
+          </a:prstGeom>
+          <a:noFill/>
+        </p:spPr>
+        <p:txBody>
+          <a:bodyPr wrap="square" lIns="91440" tIns="45720" rIns="91440" bIns="45720">
+            <a:spAutoFit/>
+          </a:bodyPr>
+          <a:lstStyle/>
+          <a:p>
+            <a:pPr algn="ctr"/>
+            <a:r>
+              <a:rPr lang="en-US" sz="5400" b="1" cap="none" spc="0" dirty="0" smtClean="0">
+                <a:ln w="9525">
+                  <a:solidFill>
+                    <a:schemeClr val="bg1"/>
+                  </a:solidFill>
+                  <a:prstDash val="solid"/>
+                </a:ln>
+                <a:solidFill>
+                  <a:schemeClr val="accent5"/>
+                </a:solidFill>
+                <a:effectLst>
+                  <a:outerShdw blurRad="12700" dist="38100" dir="2700000" algn="tl" rotWithShape="0">
+                    <a:schemeClr val="accent5">
+                      <a:lumMod val="60000"/>
+                      <a:lumOff val="40000"/>
+                    </a:schemeClr>
+                  </a:outerShdw>
+                </a:effectLst>
+              </a:rPr>
+              <a:t>THANK YOU</a:t>
+            </a:r>
+            <a:endParaRPr lang="en-US" sz="5400" b="1" cap="none" spc="0" dirty="0">
+              <a:ln w="9525">
+                <a:solidFill>
+                  <a:schemeClr val="bg1"/>
+                </a:solidFill>
+                <a:prstDash val="solid"/>
+              </a:ln>
+              <a:solidFill>
+                <a:schemeClr val="accent5"/>
+              </a:solidFill>
+              <a:effectLst>
+                <a:outerShdw blurRad="12700" dist="38100" dir="2700000" algn="tl" rotWithShape="0">
+                  <a:schemeClr val="accent5">
+                    <a:lumMod val="60000"/>
+                    <a:lumOff val="40000"/>
+                  </a:schemeClr>
+                </a:outerShdw>
+              </a:effectLst>
+            </a:endParaRPr>
           </a:p>
         </p:txBody>
       </p:sp>
     </p:spTree>
     <p:extLst>
       <p:ext uri="{BB962C8B-B14F-4D97-AF65-F5344CB8AC3E}">
-        <p14:creationId xmlns:p14="http://schemas.microsoft.com/office/powerpoint/2010/main" val="2302276539"/>
+        <p14:creationId xmlns:p14="http://schemas.microsoft.com/office/powerpoint/2010/main" val="3515690542"/>
       </p:ext>
     </p:extLst>
   </p:cSld>
